--- a/Presentatie-Smart-App-Testing-Efrem.pptx
+++ b/Presentatie-Smart-App-Testing-Efrem.pptx
@@ -10,7 +10,9 @@
     <p:sldId id="260" r:id="rId4"/>
     <p:sldId id="261" r:id="rId5"/>
     <p:sldId id="257" r:id="rId6"/>
-    <p:sldId id="259" r:id="rId7"/>
+    <p:sldId id="262" r:id="rId7"/>
+    <p:sldId id="263" r:id="rId8"/>
+    <p:sldId id="259" r:id="rId9"/>
   </p:sldIdLst>
   <p:sldSz cx="12192000" cy="6858000"/>
   <p:notesSz cx="6858000" cy="9144000"/>
@@ -109,6 +111,11 @@
       </a:defRPr>
     </a:lvl9pPr>
   </p:defaultTextStyle>
+  <p:extLst>
+    <p:ext uri="{EFAFB233-063F-42B5-8137-9DF3F51BA10A}">
+      <p15:sldGuideLst xmlns:p15="http://schemas.microsoft.com/office/powerpoint/2012/main"/>
+    </p:ext>
+  </p:extLst>
 </p:presentation>
 </file>
 
@@ -275,7 +282,7 @@
           <a:p>
             <a:fld id="{1160EA64-D806-43AC-9DF2-F8C432F32B4C}" type="datetimeFigureOut">
               <a:rPr lang="en-US" smtClean="0"/>
-              <a:t>1/10/22</a:t>
+              <a:t>1/11/2022</a:t>
             </a:fld>
             <a:endParaRPr lang="en-US" dirty="0"/>
           </a:p>
@@ -446,7 +453,7 @@
           <a:p>
             <a:fld id="{E9F9C37B-1D36-470B-8223-D6C91242EC14}" type="datetimeFigureOut">
               <a:rPr lang="en-US" smtClean="0"/>
-              <a:t>1/10/22</a:t>
+              <a:t>1/11/2022</a:t>
             </a:fld>
             <a:endParaRPr lang="en-US" dirty="0"/>
           </a:p>
@@ -626,7 +633,7 @@
           <a:p>
             <a:fld id="{67C6F52A-A82B-47A2-A83A-8C4C91F2D59F}" type="datetimeFigureOut">
               <a:rPr lang="en-US" smtClean="0"/>
-              <a:t>1/10/22</a:t>
+              <a:t>1/11/2022</a:t>
             </a:fld>
             <a:endParaRPr lang="en-US" dirty="0"/>
           </a:p>
@@ -796,7 +803,7 @@
           <a:p>
             <a:fld id="{F070A7B3-6521-4DCA-87E5-044747A908C1}" type="datetimeFigureOut">
               <a:rPr lang="en-US" smtClean="0"/>
-              <a:t>1/10/22</a:t>
+              <a:t>1/11/2022</a:t>
             </a:fld>
             <a:endParaRPr lang="en-US" dirty="0"/>
           </a:p>
@@ -1065,7 +1072,7 @@
           <a:p>
             <a:fld id="{1160EA64-D806-43AC-9DF2-F8C432F32B4C}" type="datetimeFigureOut">
               <a:rPr lang="en-US" smtClean="0"/>
-              <a:t>1/10/22</a:t>
+              <a:t>1/11/2022</a:t>
             </a:fld>
             <a:endParaRPr lang="en-US" dirty="0"/>
           </a:p>
@@ -1298,7 +1305,7 @@
           <a:p>
             <a:fld id="{AB134690-1557-4C89-A502-4959FE7FAD70}" type="datetimeFigureOut">
               <a:rPr lang="en-US" smtClean="0"/>
-              <a:t>1/10/22</a:t>
+              <a:t>1/11/2022</a:t>
             </a:fld>
             <a:endParaRPr lang="en-US" dirty="0"/>
           </a:p>
@@ -1657,7 +1664,7 @@
           <a:p>
             <a:fld id="{4F7D4976-E339-4826-83B7-FBD03F55ECF8}" type="datetimeFigureOut">
               <a:rPr lang="en-US" smtClean="0"/>
-              <a:t>1/10/22</a:t>
+              <a:t>1/11/2022</a:t>
             </a:fld>
             <a:endParaRPr lang="en-US" dirty="0"/>
           </a:p>
@@ -1798,7 +1805,7 @@
           <a:p>
             <a:fld id="{E1037C31-9E7A-4F99-8774-A0E530DE1A42}" type="datetimeFigureOut">
               <a:rPr lang="en-US" smtClean="0"/>
-              <a:t>1/10/22</a:t>
+              <a:t>1/11/2022</a:t>
             </a:fld>
             <a:endParaRPr lang="en-US" dirty="0"/>
           </a:p>
@@ -1893,7 +1900,7 @@
           <a:p>
             <a:fld id="{C278504F-A551-4DE0-9316-4DCD1D8CC752}" type="datetimeFigureOut">
               <a:rPr lang="en-US" smtClean="0"/>
-              <a:t>1/10/22</a:t>
+              <a:t>1/11/2022</a:t>
             </a:fld>
             <a:endParaRPr lang="en-US" dirty="0"/>
           </a:p>
@@ -2250,7 +2257,7 @@
           <a:p>
             <a:fld id="{D1BE4249-C0D0-4B06-8692-E8BB871AF643}" type="datetimeFigureOut">
               <a:rPr lang="en-US" smtClean="0"/>
-              <a:t>1/10/22</a:t>
+              <a:t>1/11/2022</a:t>
             </a:fld>
             <a:endParaRPr lang="en-US" dirty="0"/>
           </a:p>
@@ -2607,7 +2614,7 @@
           <a:p>
             <a:fld id="{042B0DB6-F5C7-45FB-8CF3-31B45F9C2DAC}" type="datetimeFigureOut">
               <a:rPr lang="en-US" smtClean="0"/>
-              <a:t>1/10/22</a:t>
+              <a:t>1/11/2022</a:t>
             </a:fld>
             <a:endParaRPr lang="en-US" dirty="0"/>
           </a:p>
@@ -2849,7 +2856,7 @@
           <a:p>
             <a:fld id="{1160EA64-D806-43AC-9DF2-F8C432F32B4C}" type="datetimeFigureOut">
               <a:rPr lang="en-US" smtClean="0"/>
-              <a:t>1/10/22</a:t>
+              <a:t>1/11/2022</a:t>
             </a:fld>
             <a:endParaRPr lang="en-US" dirty="0"/>
           </a:p>
@@ -3604,49 +3611,32 @@
       </p:sp>
       <p:pic>
         <p:nvPicPr>
-          <p:cNvPr id="2050" name="Picture 2" descr="image">
+          <p:cNvPr id="4" name="Image 3">
             <a:extLst>
               <a:ext uri="{FF2B5EF4-FFF2-40B4-BE49-F238E27FC236}">
-                <a16:creationId xmlns:a16="http://schemas.microsoft.com/office/drawing/2014/main" id="{F0801BC5-EAE6-9441-B509-15A52AA5BFF0}"/>
+                <a16:creationId xmlns:a16="http://schemas.microsoft.com/office/drawing/2014/main" id="{FD1EE486-130C-4DB1-8298-61331725E01E}"/>
               </a:ext>
             </a:extLst>
           </p:cNvPr>
           <p:cNvPicPr>
-            <a:picLocks noChangeAspect="1" noChangeArrowheads="1"/>
+            <a:picLocks noChangeAspect="1"/>
           </p:cNvPicPr>
           <p:nvPr/>
         </p:nvPicPr>
         <p:blipFill>
-          <a:blip r:embed="rId2">
-            <a:extLst>
-              <a:ext uri="{28A0092B-C50C-407E-A947-70E740481C1C}">
-                <a14:useLocalDpi xmlns:a14="http://schemas.microsoft.com/office/drawing/2010/main" val="0"/>
-              </a:ext>
-            </a:extLst>
-          </a:blip>
-          <a:srcRect/>
+          <a:blip r:embed="rId2"/>
           <a:stretch>
             <a:fillRect/>
           </a:stretch>
         </p:blipFill>
-        <p:spPr bwMode="auto">
+        <p:spPr>
           <a:xfrm>
-            <a:off x="2886456" y="1595628"/>
-            <a:ext cx="6419088" cy="5215433"/>
+            <a:off x="2229788" y="1975083"/>
+            <a:ext cx="7731075" cy="4440859"/>
           </a:xfrm>
           <a:prstGeom prst="rect">
             <a:avLst/>
           </a:prstGeom>
-          <a:noFill/>
-          <a:extLst>
-            <a:ext uri="{909E8E84-426E-40DD-AFC4-6F175D3DCCD1}">
-              <a14:hiddenFill xmlns:a14="http://schemas.microsoft.com/office/drawing/2010/main">
-                <a:solidFill>
-                  <a:srgbClr val="FFFFFF"/>
-                </a:solidFill>
-              </a14:hiddenFill>
-            </a:ext>
-          </a:extLst>
         </p:spPr>
       </p:pic>
     </p:spTree>
@@ -3886,6 +3876,36 @@
           </a:p>
         </p:txBody>
       </p:sp>
+      <p:pic>
+        <p:nvPicPr>
+          <p:cNvPr id="4" name="Image 3">
+            <a:extLst>
+              <a:ext uri="{FF2B5EF4-FFF2-40B4-BE49-F238E27FC236}">
+                <a16:creationId xmlns:a16="http://schemas.microsoft.com/office/drawing/2014/main" id="{3103409F-C574-4468-89DF-A69F1B13ED0A}"/>
+              </a:ext>
+            </a:extLst>
+          </p:cNvPr>
+          <p:cNvPicPr>
+            <a:picLocks noChangeAspect="1"/>
+          </p:cNvPicPr>
+          <p:nvPr/>
+        </p:nvPicPr>
+        <p:blipFill>
+          <a:blip r:embed="rId2"/>
+          <a:stretch>
+            <a:fillRect/>
+          </a:stretch>
+        </p:blipFill>
+        <p:spPr>
+          <a:xfrm>
+            <a:off x="3123785" y="2622264"/>
+            <a:ext cx="5944430" cy="3677163"/>
+          </a:xfrm>
+          <a:prstGeom prst="rect">
+            <a:avLst/>
+          </a:prstGeom>
+        </p:spPr>
+      </p:pic>
     </p:spTree>
     <p:extLst>
       <p:ext uri="{BB962C8B-B14F-4D97-AF65-F5344CB8AC3E}">
@@ -3900,6 +3920,276 @@
 </file>
 
 <file path=ppt/slides/slide6.xml><?xml version="1.0" encoding="utf-8"?>
+<p:sld xmlns:a="http://schemas.openxmlformats.org/drawingml/2006/main" xmlns:r="http://schemas.openxmlformats.org/officeDocument/2006/relationships" xmlns:p="http://schemas.openxmlformats.org/presentationml/2006/main">
+  <p:cSld>
+    <p:spTree>
+      <p:nvGrpSpPr>
+        <p:cNvPr id="1" name=""/>
+        <p:cNvGrpSpPr/>
+        <p:nvPr/>
+      </p:nvGrpSpPr>
+      <p:grpSpPr>
+        <a:xfrm>
+          <a:off x="0" y="0"/>
+          <a:ext cx="0" cy="0"/>
+          <a:chOff x="0" y="0"/>
+          <a:chExt cx="0" cy="0"/>
+        </a:xfrm>
+      </p:grpSpPr>
+      <p:sp>
+        <p:nvSpPr>
+          <p:cNvPr id="2" name="Titre 1">
+            <a:extLst>
+              <a:ext uri="{FF2B5EF4-FFF2-40B4-BE49-F238E27FC236}">
+                <a16:creationId xmlns:a16="http://schemas.microsoft.com/office/drawing/2014/main" id="{0309DC31-F416-734B-854E-8B005123C9B7}"/>
+              </a:ext>
+            </a:extLst>
+          </p:cNvPr>
+          <p:cNvSpPr>
+            <a:spLocks noGrp="1"/>
+          </p:cNvSpPr>
+          <p:nvPr>
+            <p:ph type="title"/>
+          </p:nvPr>
+        </p:nvSpPr>
+        <p:spPr/>
+        <p:txBody>
+          <a:bodyPr>
+            <a:normAutofit/>
+          </a:bodyPr>
+          <a:lstStyle/>
+          <a:p>
+            <a:r>
+              <a:rPr lang="fr-FR" sz="2400" dirty="0"/>
+              <a:t>Scenario: </a:t>
+            </a:r>
+            <a:r>
+              <a:rPr lang="fr-BE" sz="2400" dirty="0" err="1"/>
+              <a:t>Een</a:t>
+            </a:r>
+            <a:r>
+              <a:rPr lang="fr-BE" sz="2400" dirty="0"/>
+              <a:t> </a:t>
+            </a:r>
+            <a:r>
+              <a:rPr lang="fr-BE" sz="2400" dirty="0" err="1"/>
+              <a:t>gebruiker</a:t>
+            </a:r>
+            <a:r>
+              <a:rPr lang="fr-BE" sz="2400" dirty="0"/>
+              <a:t> </a:t>
+            </a:r>
+            <a:r>
+              <a:rPr lang="fr-BE" sz="2400" dirty="0" err="1"/>
+              <a:t>bekijkt</a:t>
+            </a:r>
+            <a:r>
+              <a:rPr lang="fr-BE" sz="2400" dirty="0"/>
+              <a:t> en </a:t>
+            </a:r>
+            <a:r>
+              <a:rPr lang="fr-BE" sz="2400" dirty="0" err="1"/>
+              <a:t>wijzigt</a:t>
+            </a:r>
+            <a:r>
+              <a:rPr lang="fr-BE" sz="2400" dirty="0"/>
+              <a:t> </a:t>
+            </a:r>
+            <a:r>
+              <a:rPr lang="fr-BE" sz="2400" dirty="0" err="1"/>
+              <a:t>zijn</a:t>
+            </a:r>
+            <a:r>
+              <a:rPr lang="fr-BE" sz="2400" dirty="0"/>
+              <a:t> </a:t>
+            </a:r>
+            <a:r>
+              <a:rPr lang="fr-BE" sz="2400" dirty="0" err="1"/>
+              <a:t>accountgevens</a:t>
+            </a:r>
+            <a:endParaRPr lang="fr-FR" sz="2400" dirty="0"/>
+          </a:p>
+        </p:txBody>
+      </p:sp>
+      <p:pic>
+        <p:nvPicPr>
+          <p:cNvPr id="5" name="Image 4">
+            <a:extLst>
+              <a:ext uri="{FF2B5EF4-FFF2-40B4-BE49-F238E27FC236}">
+                <a16:creationId xmlns:a16="http://schemas.microsoft.com/office/drawing/2014/main" id="{10D3597F-38CD-4468-8A7B-5179095FEA4D}"/>
+              </a:ext>
+            </a:extLst>
+          </p:cNvPr>
+          <p:cNvPicPr>
+            <a:picLocks noChangeAspect="1"/>
+          </p:cNvPicPr>
+          <p:nvPr/>
+        </p:nvPicPr>
+        <p:blipFill>
+          <a:blip r:embed="rId2"/>
+          <a:stretch>
+            <a:fillRect/>
+          </a:stretch>
+        </p:blipFill>
+        <p:spPr>
+          <a:xfrm>
+            <a:off x="2777583" y="2330687"/>
+            <a:ext cx="6636834" cy="4351144"/>
+          </a:xfrm>
+          <a:prstGeom prst="rect">
+            <a:avLst/>
+          </a:prstGeom>
+        </p:spPr>
+      </p:pic>
+    </p:spTree>
+    <p:extLst>
+      <p:ext uri="{BB962C8B-B14F-4D97-AF65-F5344CB8AC3E}">
+        <p14:creationId xmlns:p14="http://schemas.microsoft.com/office/powerpoint/2010/main" val="4132058907"/>
+      </p:ext>
+    </p:extLst>
+  </p:cSld>
+  <p:clrMapOvr>
+    <a:masterClrMapping/>
+  </p:clrMapOvr>
+</p:sld>
+</file>
+
+<file path=ppt/slides/slide7.xml><?xml version="1.0" encoding="utf-8"?>
+<p:sld xmlns:a="http://schemas.openxmlformats.org/drawingml/2006/main" xmlns:r="http://schemas.openxmlformats.org/officeDocument/2006/relationships" xmlns:p="http://schemas.openxmlformats.org/presentationml/2006/main">
+  <p:cSld>
+    <p:spTree>
+      <p:nvGrpSpPr>
+        <p:cNvPr id="1" name=""/>
+        <p:cNvGrpSpPr/>
+        <p:nvPr/>
+      </p:nvGrpSpPr>
+      <p:grpSpPr>
+        <a:xfrm>
+          <a:off x="0" y="0"/>
+          <a:ext cx="0" cy="0"/>
+          <a:chOff x="0" y="0"/>
+          <a:chExt cx="0" cy="0"/>
+        </a:xfrm>
+      </p:grpSpPr>
+      <p:sp>
+        <p:nvSpPr>
+          <p:cNvPr id="2" name="Titre 1">
+            <a:extLst>
+              <a:ext uri="{FF2B5EF4-FFF2-40B4-BE49-F238E27FC236}">
+                <a16:creationId xmlns:a16="http://schemas.microsoft.com/office/drawing/2014/main" id="{0309DC31-F416-734B-854E-8B005123C9B7}"/>
+              </a:ext>
+            </a:extLst>
+          </p:cNvPr>
+          <p:cNvSpPr>
+            <a:spLocks noGrp="1"/>
+          </p:cNvSpPr>
+          <p:nvPr>
+            <p:ph type="title"/>
+          </p:nvPr>
+        </p:nvSpPr>
+        <p:spPr/>
+        <p:txBody>
+          <a:bodyPr>
+            <a:normAutofit/>
+          </a:bodyPr>
+          <a:lstStyle/>
+          <a:p>
+            <a:r>
+              <a:rPr lang="fr-FR" sz="2400" dirty="0"/>
+              <a:t>Scenario: </a:t>
+            </a:r>
+            <a:r>
+              <a:rPr lang="fr-BE" sz="2400" dirty="0" err="1"/>
+              <a:t>Een</a:t>
+            </a:r>
+            <a:r>
+              <a:rPr lang="fr-BE" sz="2400" dirty="0"/>
+              <a:t> </a:t>
+            </a:r>
+            <a:r>
+              <a:rPr lang="fr-BE" sz="2400" dirty="0" err="1"/>
+              <a:t>gebruiker</a:t>
+            </a:r>
+            <a:r>
+              <a:rPr lang="fr-BE" sz="2400" dirty="0"/>
+              <a:t> </a:t>
+            </a:r>
+            <a:r>
+              <a:rPr lang="fr-BE" sz="2400" dirty="0" err="1"/>
+              <a:t>bekijkt</a:t>
+            </a:r>
+            <a:r>
+              <a:rPr lang="fr-BE" sz="2400" dirty="0"/>
+              <a:t> en </a:t>
+            </a:r>
+            <a:r>
+              <a:rPr lang="fr-BE" sz="2400" dirty="0" err="1"/>
+              <a:t>wijzigt</a:t>
+            </a:r>
+            <a:r>
+              <a:rPr lang="fr-BE" sz="2400" dirty="0"/>
+              <a:t> </a:t>
+            </a:r>
+            <a:r>
+              <a:rPr lang="fr-BE" sz="2400" dirty="0" err="1"/>
+              <a:t>zijn</a:t>
+            </a:r>
+            <a:r>
+              <a:rPr lang="fr-BE" sz="2400" dirty="0"/>
+              <a:t> </a:t>
+            </a:r>
+            <a:r>
+              <a:rPr lang="fr-BE" sz="2400" dirty="0" err="1"/>
+              <a:t>accountgevens</a:t>
+            </a:r>
+            <a:endParaRPr lang="fr-FR" sz="2400" dirty="0"/>
+          </a:p>
+        </p:txBody>
+      </p:sp>
+      <p:pic>
+        <p:nvPicPr>
+          <p:cNvPr id="5" name="Image 4">
+            <a:extLst>
+              <a:ext uri="{FF2B5EF4-FFF2-40B4-BE49-F238E27FC236}">
+                <a16:creationId xmlns:a16="http://schemas.microsoft.com/office/drawing/2014/main" id="{A80236DC-F1FA-4EB8-9523-D0C3B3974C09}"/>
+              </a:ext>
+            </a:extLst>
+          </p:cNvPr>
+          <p:cNvPicPr>
+            <a:picLocks noChangeAspect="1"/>
+          </p:cNvPicPr>
+          <p:nvPr/>
+        </p:nvPicPr>
+        <p:blipFill>
+          <a:blip r:embed="rId2"/>
+          <a:stretch>
+            <a:fillRect/>
+          </a:stretch>
+        </p:blipFill>
+        <p:spPr>
+          <a:xfrm>
+            <a:off x="3077986" y="2697482"/>
+            <a:ext cx="6036027" cy="3713636"/>
+          </a:xfrm>
+          <a:prstGeom prst="rect">
+            <a:avLst/>
+          </a:prstGeom>
+        </p:spPr>
+      </p:pic>
+    </p:spTree>
+    <p:extLst>
+      <p:ext uri="{BB962C8B-B14F-4D97-AF65-F5344CB8AC3E}">
+        <p14:creationId xmlns:p14="http://schemas.microsoft.com/office/powerpoint/2010/main" val="2708135163"/>
+      </p:ext>
+    </p:extLst>
+  </p:cSld>
+  <p:clrMapOvr>
+    <a:masterClrMapping/>
+  </p:clrMapOvr>
+</p:sld>
+</file>
+
+<file path=ppt/slides/slide8.xml><?xml version="1.0" encoding="utf-8"?>
 <p:sld xmlns:a="http://schemas.openxmlformats.org/drawingml/2006/main" xmlns:r="http://schemas.openxmlformats.org/officeDocument/2006/relationships" xmlns:p="http://schemas.openxmlformats.org/presentationml/2006/main">
   <p:cSld>
     <p:spTree>
